--- a/python程序员面试宝典.pptx
+++ b/python程序员面试宝典.pptx
@@ -27,6 +27,21 @@
     <p:sldId id="275" r:id="rId21"/>
     <p:sldId id="276" r:id="rId22"/>
     <p:sldId id="277" r:id="rId23"/>
+    <p:sldId id="278" r:id="rId24"/>
+    <p:sldId id="279" r:id="rId25"/>
+    <p:sldId id="280" r:id="rId26"/>
+    <p:sldId id="281" r:id="rId27"/>
+    <p:sldId id="282" r:id="rId28"/>
+    <p:sldId id="283" r:id="rId29"/>
+    <p:sldId id="284" r:id="rId30"/>
+    <p:sldId id="285" r:id="rId31"/>
+    <p:sldId id="286" r:id="rId32"/>
+    <p:sldId id="287" r:id="rId33"/>
+    <p:sldId id="288" r:id="rId34"/>
+    <p:sldId id="289" r:id="rId35"/>
+    <p:sldId id="290" r:id="rId36"/>
+    <p:sldId id="291" r:id="rId37"/>
+    <p:sldId id="292" r:id="rId38"/>
   </p:sldIdLst>
   <p:sldSz cx="12192000" cy="6858000"/>
   <p:notesSz cx="6858000" cy="9144000"/>
@@ -125,6 +140,11 @@
       </a:defRPr>
     </a:lvl9pPr>
   </p:defaultTextStyle>
+  <p:extLst>
+    <p:ext uri="{EFAFB233-063F-42B5-8137-9DF3F51BA10A}">
+      <p15:sldGuideLst xmlns:p15="http://schemas.microsoft.com/office/powerpoint/2012/main"/>
+    </p:ext>
+  </p:extLst>
 </p:presentation>
 </file>
 
@@ -259,7 +279,7 @@
           <a:p>
             <a:fld id="{D3B6C99D-25C5-4941-9A44-5980A93BCEC7}" type="datetimeFigureOut">
               <a:rPr lang="zh-CN" altLang="en-US" smtClean="0"/>
-              <a:t>2019/8/20</a:t>
+              <a:t>2019/8/21</a:t>
             </a:fld>
             <a:endParaRPr lang="zh-CN" altLang="en-US"/>
           </a:p>
@@ -429,7 +449,7 @@
           <a:p>
             <a:fld id="{D3B6C99D-25C5-4941-9A44-5980A93BCEC7}" type="datetimeFigureOut">
               <a:rPr lang="zh-CN" altLang="en-US" smtClean="0"/>
-              <a:t>2019/8/20</a:t>
+              <a:t>2019/8/21</a:t>
             </a:fld>
             <a:endParaRPr lang="zh-CN" altLang="en-US"/>
           </a:p>
@@ -609,7 +629,7 @@
           <a:p>
             <a:fld id="{D3B6C99D-25C5-4941-9A44-5980A93BCEC7}" type="datetimeFigureOut">
               <a:rPr lang="zh-CN" altLang="en-US" smtClean="0"/>
-              <a:t>2019/8/20</a:t>
+              <a:t>2019/8/21</a:t>
             </a:fld>
             <a:endParaRPr lang="zh-CN" altLang="en-US"/>
           </a:p>
@@ -779,7 +799,7 @@
           <a:p>
             <a:fld id="{D3B6C99D-25C5-4941-9A44-5980A93BCEC7}" type="datetimeFigureOut">
               <a:rPr lang="zh-CN" altLang="en-US" smtClean="0"/>
-              <a:t>2019/8/20</a:t>
+              <a:t>2019/8/21</a:t>
             </a:fld>
             <a:endParaRPr lang="zh-CN" altLang="en-US"/>
           </a:p>
@@ -1025,7 +1045,7 @@
           <a:p>
             <a:fld id="{D3B6C99D-25C5-4941-9A44-5980A93BCEC7}" type="datetimeFigureOut">
               <a:rPr lang="zh-CN" altLang="en-US" smtClean="0"/>
-              <a:t>2019/8/20</a:t>
+              <a:t>2019/8/21</a:t>
             </a:fld>
             <a:endParaRPr lang="zh-CN" altLang="en-US"/>
           </a:p>
@@ -1257,7 +1277,7 @@
           <a:p>
             <a:fld id="{D3B6C99D-25C5-4941-9A44-5980A93BCEC7}" type="datetimeFigureOut">
               <a:rPr lang="zh-CN" altLang="en-US" smtClean="0"/>
-              <a:t>2019/8/20</a:t>
+              <a:t>2019/8/21</a:t>
             </a:fld>
             <a:endParaRPr lang="zh-CN" altLang="en-US"/>
           </a:p>
@@ -1624,7 +1644,7 @@
           <a:p>
             <a:fld id="{D3B6C99D-25C5-4941-9A44-5980A93BCEC7}" type="datetimeFigureOut">
               <a:rPr lang="zh-CN" altLang="en-US" smtClean="0"/>
-              <a:t>2019/8/20</a:t>
+              <a:t>2019/8/21</a:t>
             </a:fld>
             <a:endParaRPr lang="zh-CN" altLang="en-US"/>
           </a:p>
@@ -1742,7 +1762,7 @@
           <a:p>
             <a:fld id="{D3B6C99D-25C5-4941-9A44-5980A93BCEC7}" type="datetimeFigureOut">
               <a:rPr lang="zh-CN" altLang="en-US" smtClean="0"/>
-              <a:t>2019/8/20</a:t>
+              <a:t>2019/8/21</a:t>
             </a:fld>
             <a:endParaRPr lang="zh-CN" altLang="en-US"/>
           </a:p>
@@ -1837,7 +1857,7 @@
           <a:p>
             <a:fld id="{D3B6C99D-25C5-4941-9A44-5980A93BCEC7}" type="datetimeFigureOut">
               <a:rPr lang="zh-CN" altLang="en-US" smtClean="0"/>
-              <a:t>2019/8/20</a:t>
+              <a:t>2019/8/21</a:t>
             </a:fld>
             <a:endParaRPr lang="zh-CN" altLang="en-US"/>
           </a:p>
@@ -2114,7 +2134,7 @@
           <a:p>
             <a:fld id="{D3B6C99D-25C5-4941-9A44-5980A93BCEC7}" type="datetimeFigureOut">
               <a:rPr lang="zh-CN" altLang="en-US" smtClean="0"/>
-              <a:t>2019/8/20</a:t>
+              <a:t>2019/8/21</a:t>
             </a:fld>
             <a:endParaRPr lang="zh-CN" altLang="en-US"/>
           </a:p>
@@ -2367,7 +2387,7 @@
           <a:p>
             <a:fld id="{D3B6C99D-25C5-4941-9A44-5980A93BCEC7}" type="datetimeFigureOut">
               <a:rPr lang="zh-CN" altLang="en-US" smtClean="0"/>
-              <a:t>2019/8/20</a:t>
+              <a:t>2019/8/21</a:t>
             </a:fld>
             <a:endParaRPr lang="zh-CN" altLang="en-US"/>
           </a:p>
@@ -2580,7 +2600,7 @@
           <a:p>
             <a:fld id="{D3B6C99D-25C5-4941-9A44-5980A93BCEC7}" type="datetimeFigureOut">
               <a:rPr lang="zh-CN" altLang="en-US" smtClean="0"/>
-              <a:t>2019/8/20</a:t>
+              <a:t>2019/8/21</a:t>
             </a:fld>
             <a:endParaRPr lang="zh-CN" altLang="en-US"/>
           </a:p>
@@ -4017,10 +4037,6 @@
               </a:rPr>
               <a:t>)</a:t>
             </a:r>
-            <a:endParaRPr lang="en-US" altLang="zh-CN" sz="2400" dirty="0" smtClean="0">
-              <a:latin typeface="微软雅黑" panose="020B0503020204020204" pitchFamily="34" charset="-122"/>
-              <a:ea typeface="微软雅黑" panose="020B0503020204020204" pitchFamily="34" charset="-122"/>
-            </a:endParaRPr>
           </a:p>
         </p:txBody>
       </p:sp>
@@ -4601,14 +4617,14 @@
                 <a:latin typeface="微软雅黑" panose="020B0503020204020204" pitchFamily="34" charset="-122"/>
                 <a:ea typeface="微软雅黑" panose="020B0503020204020204" pitchFamily="34" charset="-122"/>
               </a:rPr>
-              <a:t>的两个数对</a:t>
-            </a:r>
-            <a:r>
-              <a:rPr lang="en-US" altLang="zh-CN" sz="2400" smtClean="0">
-                <a:latin typeface="微软雅黑" panose="020B0503020204020204" pitchFamily="34" charset="-122"/>
-                <a:ea typeface="微软雅黑" panose="020B0503020204020204" pitchFamily="34" charset="-122"/>
-              </a:rPr>
-              <a:t>0000000000000000</a:t>
+              <a:t>的两个数</a:t>
+            </a:r>
+            <a:r>
+              <a:rPr lang="zh-CN" altLang="en-US" sz="2400" dirty="0" smtClean="0">
+                <a:latin typeface="微软雅黑" panose="020B0503020204020204" pitchFamily="34" charset="-122"/>
+                <a:ea typeface="微软雅黑" panose="020B0503020204020204" pitchFamily="34" charset="-122"/>
+              </a:rPr>
+              <a:t>对</a:t>
             </a:r>
             <a:endParaRPr lang="en-US" altLang="zh-CN" sz="2400" dirty="0" smtClean="0">
               <a:latin typeface="微软雅黑" panose="020B0503020204020204" pitchFamily="34" charset="-122"/>
@@ -4621,6 +4637,934 @@
     <p:extLst>
       <p:ext uri="{BB962C8B-B14F-4D97-AF65-F5344CB8AC3E}">
         <p14:creationId xmlns:p14="http://schemas.microsoft.com/office/powerpoint/2010/main" val="2249064982"/>
+      </p:ext>
+    </p:extLst>
+  </p:cSld>
+  <p:clrMapOvr>
+    <a:masterClrMapping/>
+  </p:clrMapOvr>
+  <p:timing>
+    <p:tnLst>
+      <p:par>
+        <p:cTn id="1" dur="indefinite" restart="never" nodeType="tmRoot"/>
+      </p:par>
+    </p:tnLst>
+  </p:timing>
+</p:sld>
+</file>
+
+<file path=ppt/slides/slide23.xml><?xml version="1.0" encoding="utf-8"?>
+<p:sld xmlns:a="http://schemas.openxmlformats.org/drawingml/2006/main" xmlns:r="http://schemas.openxmlformats.org/officeDocument/2006/relationships" xmlns:p="http://schemas.openxmlformats.org/presentationml/2006/main">
+  <p:cSld>
+    <p:spTree>
+      <p:nvGrpSpPr>
+        <p:cNvPr id="1" name=""/>
+        <p:cNvGrpSpPr/>
+        <p:nvPr/>
+      </p:nvGrpSpPr>
+      <p:grpSpPr>
+        <a:xfrm>
+          <a:off x="0" y="0"/>
+          <a:ext cx="0" cy="0"/>
+          <a:chOff x="0" y="0"/>
+          <a:chExt cx="0" cy="0"/>
+        </a:xfrm>
+      </p:grpSpPr>
+      <p:sp>
+        <p:nvSpPr>
+          <p:cNvPr id="3" name="文本框 2"/>
+          <p:cNvSpPr txBox="1"/>
+          <p:nvPr/>
+        </p:nvSpPr>
+        <p:spPr>
+          <a:xfrm>
+            <a:off x="4660900" y="2603500"/>
+            <a:ext cx="3098800" cy="461665"/>
+          </a:xfrm>
+          <a:prstGeom prst="rect">
+            <a:avLst/>
+          </a:prstGeom>
+          <a:noFill/>
+        </p:spPr>
+        <p:txBody>
+          <a:bodyPr wrap="square" rtlCol="0">
+            <a:spAutoFit/>
+          </a:bodyPr>
+          <a:lstStyle/>
+          <a:p>
+            <a:pPr algn="ctr"/>
+            <a:r>
+              <a:rPr lang="zh-CN" altLang="en-US" sz="2400" dirty="0">
+                <a:latin typeface="微软雅黑" panose="020B0503020204020204" pitchFamily="34" charset="-122"/>
+                <a:ea typeface="微软雅黑" panose="020B0503020204020204" pitchFamily="34" charset="-122"/>
+              </a:rPr>
+              <a:t>字符串</a:t>
+            </a:r>
+            <a:endParaRPr lang="en-US" altLang="zh-CN" sz="2400" dirty="0" smtClean="0">
+              <a:latin typeface="微软雅黑" panose="020B0503020204020204" pitchFamily="34" charset="-122"/>
+              <a:ea typeface="微软雅黑" panose="020B0503020204020204" pitchFamily="34" charset="-122"/>
+            </a:endParaRPr>
+          </a:p>
+        </p:txBody>
+      </p:sp>
+    </p:spTree>
+    <p:extLst>
+      <p:ext uri="{BB962C8B-B14F-4D97-AF65-F5344CB8AC3E}">
+        <p14:creationId xmlns:p14="http://schemas.microsoft.com/office/powerpoint/2010/main" val="3147825089"/>
+      </p:ext>
+    </p:extLst>
+  </p:cSld>
+  <p:clrMapOvr>
+    <a:masterClrMapping/>
+  </p:clrMapOvr>
+  <p:timing>
+    <p:tnLst>
+      <p:par>
+        <p:cTn id="1" dur="indefinite" restart="never" nodeType="tmRoot"/>
+      </p:par>
+    </p:tnLst>
+  </p:timing>
+</p:sld>
+</file>
+
+<file path=ppt/slides/slide24.xml><?xml version="1.0" encoding="utf-8"?>
+<p:sld xmlns:a="http://schemas.openxmlformats.org/drawingml/2006/main" xmlns:r="http://schemas.openxmlformats.org/officeDocument/2006/relationships" xmlns:p="http://schemas.openxmlformats.org/presentationml/2006/main">
+  <p:cSld>
+    <p:spTree>
+      <p:nvGrpSpPr>
+        <p:cNvPr id="1" name=""/>
+        <p:cNvGrpSpPr/>
+        <p:nvPr/>
+      </p:nvGrpSpPr>
+      <p:grpSpPr>
+        <a:xfrm>
+          <a:off x="0" y="0"/>
+          <a:ext cx="0" cy="0"/>
+          <a:chOff x="0" y="0"/>
+          <a:chExt cx="0" cy="0"/>
+        </a:xfrm>
+      </p:grpSpPr>
+      <p:sp>
+        <p:nvSpPr>
+          <p:cNvPr id="2" name="文本框 1"/>
+          <p:cNvSpPr txBox="1"/>
+          <p:nvPr/>
+        </p:nvSpPr>
+        <p:spPr>
+          <a:xfrm>
+            <a:off x="304800" y="304800"/>
+            <a:ext cx="11112500" cy="1200329"/>
+          </a:xfrm>
+          <a:prstGeom prst="rect">
+            <a:avLst/>
+          </a:prstGeom>
+          <a:noFill/>
+        </p:spPr>
+        <p:txBody>
+          <a:bodyPr wrap="square" rtlCol="0">
+            <a:spAutoFit/>
+          </a:bodyPr>
+          <a:lstStyle/>
+          <a:p>
+            <a:r>
+              <a:rPr lang="en-US" altLang="zh-CN" sz="2400" dirty="0" smtClean="0">
+                <a:latin typeface="微软雅黑" panose="020B0503020204020204" pitchFamily="34" charset="-122"/>
+                <a:ea typeface="微软雅黑" panose="020B0503020204020204" pitchFamily="34" charset="-122"/>
+              </a:rPr>
+              <a:t>1.</a:t>
+            </a:r>
+            <a:r>
+              <a:rPr lang="zh-CN" altLang="en-US" sz="2400" dirty="0" smtClean="0">
+                <a:latin typeface="微软雅黑" panose="020B0503020204020204" pitchFamily="34" charset="-122"/>
+                <a:ea typeface="微软雅黑" panose="020B0503020204020204" pitchFamily="34" charset="-122"/>
+              </a:rPr>
+              <a:t>一个字符串的全排列</a:t>
+            </a:r>
+            <a:endParaRPr lang="en-US" altLang="zh-CN" sz="2400" dirty="0" smtClean="0">
+              <a:latin typeface="微软雅黑" panose="020B0503020204020204" pitchFamily="34" charset="-122"/>
+              <a:ea typeface="微软雅黑" panose="020B0503020204020204" pitchFamily="34" charset="-122"/>
+            </a:endParaRPr>
+          </a:p>
+          <a:p>
+            <a:endParaRPr lang="en-US" altLang="zh-CN" sz="2400" dirty="0">
+              <a:latin typeface="微软雅黑" panose="020B0503020204020204" pitchFamily="34" charset="-122"/>
+              <a:ea typeface="微软雅黑" panose="020B0503020204020204" pitchFamily="34" charset="-122"/>
+            </a:endParaRPr>
+          </a:p>
+          <a:p>
+            <a:r>
+              <a:rPr lang="zh-CN" altLang="en-US" sz="2400" dirty="0" smtClean="0">
+                <a:latin typeface="微软雅黑" panose="020B0503020204020204" pitchFamily="34" charset="-122"/>
+                <a:ea typeface="微软雅黑" panose="020B0503020204020204" pitchFamily="34" charset="-122"/>
+              </a:rPr>
+              <a:t>使用递归的方法求解</a:t>
+            </a:r>
+            <a:endParaRPr lang="en-US" altLang="zh-CN" sz="2400" dirty="0" smtClean="0">
+              <a:latin typeface="微软雅黑" panose="020B0503020204020204" pitchFamily="34" charset="-122"/>
+              <a:ea typeface="微软雅黑" panose="020B0503020204020204" pitchFamily="34" charset="-122"/>
+            </a:endParaRPr>
+          </a:p>
+        </p:txBody>
+      </p:sp>
+      <p:sp>
+        <p:nvSpPr>
+          <p:cNvPr id="3" name="文本框 2"/>
+          <p:cNvSpPr txBox="1"/>
+          <p:nvPr/>
+        </p:nvSpPr>
+        <p:spPr>
+          <a:xfrm>
+            <a:off x="304800" y="2460171"/>
+            <a:ext cx="11112500" cy="1200329"/>
+          </a:xfrm>
+          <a:prstGeom prst="rect">
+            <a:avLst/>
+          </a:prstGeom>
+          <a:noFill/>
+        </p:spPr>
+        <p:txBody>
+          <a:bodyPr wrap="square" rtlCol="0">
+            <a:spAutoFit/>
+          </a:bodyPr>
+          <a:lstStyle/>
+          <a:p>
+            <a:r>
+              <a:rPr lang="zh-CN" altLang="en-US" sz="2400" dirty="0" smtClean="0">
+                <a:latin typeface="微软雅黑" panose="020B0503020204020204" pitchFamily="34" charset="-122"/>
+                <a:ea typeface="微软雅黑" panose="020B0503020204020204" pitchFamily="34" charset="-122"/>
+              </a:rPr>
+              <a:t>引申：去掉重复的排列</a:t>
+            </a:r>
+            <a:endParaRPr lang="en-US" altLang="zh-CN" sz="2400" dirty="0" smtClean="0">
+              <a:latin typeface="微软雅黑" panose="020B0503020204020204" pitchFamily="34" charset="-122"/>
+              <a:ea typeface="微软雅黑" panose="020B0503020204020204" pitchFamily="34" charset="-122"/>
+            </a:endParaRPr>
+          </a:p>
+          <a:p>
+            <a:endParaRPr lang="en-US" altLang="zh-CN" sz="2400" dirty="0">
+              <a:latin typeface="微软雅黑" panose="020B0503020204020204" pitchFamily="34" charset="-122"/>
+              <a:ea typeface="微软雅黑" panose="020B0503020204020204" pitchFamily="34" charset="-122"/>
+            </a:endParaRPr>
+          </a:p>
+          <a:p>
+            <a:r>
+              <a:rPr lang="zh-CN" altLang="en-US" sz="2400" dirty="0" smtClean="0">
+                <a:latin typeface="微软雅黑" panose="020B0503020204020204" pitchFamily="34" charset="-122"/>
+                <a:ea typeface="微软雅黑" panose="020B0503020204020204" pitchFamily="34" charset="-122"/>
+              </a:rPr>
+              <a:t>根据交换的性质，对后面重复的字符串只需要交换一次</a:t>
+            </a:r>
+            <a:endParaRPr lang="en-US" altLang="zh-CN" sz="2400" dirty="0" smtClean="0">
+              <a:latin typeface="微软雅黑" panose="020B0503020204020204" pitchFamily="34" charset="-122"/>
+              <a:ea typeface="微软雅黑" panose="020B0503020204020204" pitchFamily="34" charset="-122"/>
+            </a:endParaRPr>
+          </a:p>
+        </p:txBody>
+      </p:sp>
+    </p:spTree>
+    <p:extLst>
+      <p:ext uri="{BB962C8B-B14F-4D97-AF65-F5344CB8AC3E}">
+        <p14:creationId xmlns:p14="http://schemas.microsoft.com/office/powerpoint/2010/main" val="1966621669"/>
+      </p:ext>
+    </p:extLst>
+  </p:cSld>
+  <p:clrMapOvr>
+    <a:masterClrMapping/>
+  </p:clrMapOvr>
+  <p:timing>
+    <p:tnLst>
+      <p:par>
+        <p:cTn id="1" dur="indefinite" restart="never" nodeType="tmRoot"/>
+      </p:par>
+    </p:tnLst>
+  </p:timing>
+</p:sld>
+</file>
+
+<file path=ppt/slides/slide25.xml><?xml version="1.0" encoding="utf-8"?>
+<p:sld xmlns:a="http://schemas.openxmlformats.org/drawingml/2006/main" xmlns:r="http://schemas.openxmlformats.org/officeDocument/2006/relationships" xmlns:p="http://schemas.openxmlformats.org/presentationml/2006/main">
+  <p:cSld>
+    <p:spTree>
+      <p:nvGrpSpPr>
+        <p:cNvPr id="1" name=""/>
+        <p:cNvGrpSpPr/>
+        <p:nvPr/>
+      </p:nvGrpSpPr>
+      <p:grpSpPr>
+        <a:xfrm>
+          <a:off x="0" y="0"/>
+          <a:ext cx="0" cy="0"/>
+          <a:chOff x="0" y="0"/>
+          <a:chExt cx="0" cy="0"/>
+        </a:xfrm>
+      </p:grpSpPr>
+      <p:sp>
+        <p:nvSpPr>
+          <p:cNvPr id="2" name="文本框 1"/>
+          <p:cNvSpPr txBox="1"/>
+          <p:nvPr/>
+        </p:nvSpPr>
+        <p:spPr>
+          <a:xfrm>
+            <a:off x="304800" y="304800"/>
+            <a:ext cx="11112500" cy="1569660"/>
+          </a:xfrm>
+          <a:prstGeom prst="rect">
+            <a:avLst/>
+          </a:prstGeom>
+          <a:noFill/>
+        </p:spPr>
+        <p:txBody>
+          <a:bodyPr wrap="square" rtlCol="0">
+            <a:spAutoFit/>
+          </a:bodyPr>
+          <a:lstStyle/>
+          <a:p>
+            <a:r>
+              <a:rPr lang="en-US" altLang="zh-CN" sz="2400" dirty="0" smtClean="0">
+                <a:latin typeface="微软雅黑" panose="020B0503020204020204" pitchFamily="34" charset="-122"/>
+                <a:ea typeface="微软雅黑" panose="020B0503020204020204" pitchFamily="34" charset="-122"/>
+              </a:rPr>
+              <a:t>2.</a:t>
+            </a:r>
+            <a:r>
+              <a:rPr lang="zh-CN" altLang="en-US" sz="2400" dirty="0" smtClean="0">
+                <a:latin typeface="微软雅黑" panose="020B0503020204020204" pitchFamily="34" charset="-122"/>
+                <a:ea typeface="微软雅黑" panose="020B0503020204020204" pitchFamily="34" charset="-122"/>
+              </a:rPr>
+              <a:t>两个字符串的最长公共子串</a:t>
+            </a:r>
+            <a:endParaRPr lang="en-US" altLang="zh-CN" sz="2400" dirty="0" smtClean="0">
+              <a:latin typeface="微软雅黑" panose="020B0503020204020204" pitchFamily="34" charset="-122"/>
+              <a:ea typeface="微软雅黑" panose="020B0503020204020204" pitchFamily="34" charset="-122"/>
+            </a:endParaRPr>
+          </a:p>
+          <a:p>
+            <a:endParaRPr lang="en-US" altLang="zh-CN" sz="2400" dirty="0">
+              <a:latin typeface="微软雅黑" panose="020B0503020204020204" pitchFamily="34" charset="-122"/>
+              <a:ea typeface="微软雅黑" panose="020B0503020204020204" pitchFamily="34" charset="-122"/>
+            </a:endParaRPr>
+          </a:p>
+          <a:p>
+            <a:r>
+              <a:rPr lang="zh-CN" altLang="en-US" sz="2400" dirty="0" smtClean="0">
+                <a:latin typeface="微软雅黑" panose="020B0503020204020204" pitchFamily="34" charset="-122"/>
+                <a:ea typeface="微软雅黑" panose="020B0503020204020204" pitchFamily="34" charset="-122"/>
+              </a:rPr>
+              <a:t>使用动态规划方法进行求解：状态表示</a:t>
+            </a:r>
+            <a:r>
+              <a:rPr lang="en-US" altLang="zh-CN" sz="2400" dirty="0" smtClean="0">
+                <a:latin typeface="微软雅黑" panose="020B0503020204020204" pitchFamily="34" charset="-122"/>
+                <a:ea typeface="微软雅黑" panose="020B0503020204020204" pitchFamily="34" charset="-122"/>
+              </a:rPr>
+              <a:t>f(</a:t>
+            </a:r>
+            <a:r>
+              <a:rPr lang="en-US" altLang="zh-CN" sz="2400" dirty="0" err="1">
+                <a:latin typeface="微软雅黑" panose="020B0503020204020204" pitchFamily="34" charset="-122"/>
+                <a:ea typeface="微软雅黑" panose="020B0503020204020204" pitchFamily="34" charset="-122"/>
+              </a:rPr>
+              <a:t>i</a:t>
+            </a:r>
+            <a:r>
+              <a:rPr lang="en-US" altLang="zh-CN" sz="2400" dirty="0" smtClean="0">
+                <a:latin typeface="微软雅黑" panose="020B0503020204020204" pitchFamily="34" charset="-122"/>
+                <a:ea typeface="微软雅黑" panose="020B0503020204020204" pitchFamily="34" charset="-122"/>
+              </a:rPr>
+              <a:t>, j)</a:t>
+            </a:r>
+            <a:r>
+              <a:rPr lang="zh-CN" altLang="en-US" sz="2400" dirty="0" smtClean="0">
+                <a:latin typeface="微软雅黑" panose="020B0503020204020204" pitchFamily="34" charset="-122"/>
+                <a:ea typeface="微软雅黑" panose="020B0503020204020204" pitchFamily="34" charset="-122"/>
+              </a:rPr>
+              <a:t>，以字符串</a:t>
+            </a:r>
+            <a:r>
+              <a:rPr lang="en-US" altLang="zh-CN" sz="2400" dirty="0" smtClean="0">
+                <a:latin typeface="微软雅黑" panose="020B0503020204020204" pitchFamily="34" charset="-122"/>
+                <a:ea typeface="微软雅黑" panose="020B0503020204020204" pitchFamily="34" charset="-122"/>
+              </a:rPr>
+              <a:t>1</a:t>
+            </a:r>
+            <a:r>
+              <a:rPr lang="zh-CN" altLang="en-US" sz="2400" dirty="0" smtClean="0">
+                <a:latin typeface="微软雅黑" panose="020B0503020204020204" pitchFamily="34" charset="-122"/>
+                <a:ea typeface="微软雅黑" panose="020B0503020204020204" pitchFamily="34" charset="-122"/>
+              </a:rPr>
+              <a:t>的</a:t>
+            </a:r>
+            <a:r>
+              <a:rPr lang="en-US" altLang="zh-CN" sz="2400" dirty="0" err="1" smtClean="0">
+                <a:latin typeface="微软雅黑" panose="020B0503020204020204" pitchFamily="34" charset="-122"/>
+                <a:ea typeface="微软雅黑" panose="020B0503020204020204" pitchFamily="34" charset="-122"/>
+              </a:rPr>
+              <a:t>i</a:t>
+            </a:r>
+            <a:r>
+              <a:rPr lang="zh-CN" altLang="en-US" sz="2400" dirty="0" smtClean="0">
+                <a:latin typeface="微软雅黑" panose="020B0503020204020204" pitchFamily="34" charset="-122"/>
+                <a:ea typeface="微软雅黑" panose="020B0503020204020204" pitchFamily="34" charset="-122"/>
+              </a:rPr>
+              <a:t>结尾和以字符串</a:t>
+            </a:r>
+            <a:r>
+              <a:rPr lang="en-US" altLang="zh-CN" sz="2400" dirty="0" smtClean="0">
+                <a:latin typeface="微软雅黑" panose="020B0503020204020204" pitchFamily="34" charset="-122"/>
+                <a:ea typeface="微软雅黑" panose="020B0503020204020204" pitchFamily="34" charset="-122"/>
+              </a:rPr>
+              <a:t>2</a:t>
+            </a:r>
+            <a:r>
+              <a:rPr lang="zh-CN" altLang="en-US" sz="2400" dirty="0" smtClean="0">
+                <a:latin typeface="微软雅黑" panose="020B0503020204020204" pitchFamily="34" charset="-122"/>
+                <a:ea typeface="微软雅黑" panose="020B0503020204020204" pitchFamily="34" charset="-122"/>
+              </a:rPr>
+              <a:t>的</a:t>
+            </a:r>
+            <a:r>
+              <a:rPr lang="en-US" altLang="zh-CN" sz="2400" dirty="0" smtClean="0">
+                <a:latin typeface="微软雅黑" panose="020B0503020204020204" pitchFamily="34" charset="-122"/>
+                <a:ea typeface="微软雅黑" panose="020B0503020204020204" pitchFamily="34" charset="-122"/>
+              </a:rPr>
+              <a:t>j</a:t>
+            </a:r>
+            <a:r>
+              <a:rPr lang="zh-CN" altLang="en-US" sz="2400" dirty="0" smtClean="0">
+                <a:latin typeface="微软雅黑" panose="020B0503020204020204" pitchFamily="34" charset="-122"/>
+                <a:ea typeface="微软雅黑" panose="020B0503020204020204" pitchFamily="34" charset="-122"/>
+              </a:rPr>
+              <a:t>结尾的子串的长度</a:t>
+            </a:r>
+            <a:endParaRPr lang="en-US" altLang="zh-CN" sz="2400" dirty="0" smtClean="0">
+              <a:latin typeface="微软雅黑" panose="020B0503020204020204" pitchFamily="34" charset="-122"/>
+              <a:ea typeface="微软雅黑" panose="020B0503020204020204" pitchFamily="34" charset="-122"/>
+            </a:endParaRPr>
+          </a:p>
+        </p:txBody>
+      </p:sp>
+    </p:spTree>
+    <p:extLst>
+      <p:ext uri="{BB962C8B-B14F-4D97-AF65-F5344CB8AC3E}">
+        <p14:creationId xmlns:p14="http://schemas.microsoft.com/office/powerpoint/2010/main" val="1689655534"/>
+      </p:ext>
+    </p:extLst>
+  </p:cSld>
+  <p:clrMapOvr>
+    <a:masterClrMapping/>
+  </p:clrMapOvr>
+  <p:timing>
+    <p:tnLst>
+      <p:par>
+        <p:cTn id="1" dur="indefinite" restart="never" nodeType="tmRoot"/>
+      </p:par>
+    </p:tnLst>
+  </p:timing>
+</p:sld>
+</file>
+
+<file path=ppt/slides/slide26.xml><?xml version="1.0" encoding="utf-8"?>
+<p:sld xmlns:a="http://schemas.openxmlformats.org/drawingml/2006/main" xmlns:r="http://schemas.openxmlformats.org/officeDocument/2006/relationships" xmlns:p="http://schemas.openxmlformats.org/presentationml/2006/main">
+  <p:cSld>
+    <p:spTree>
+      <p:nvGrpSpPr>
+        <p:cNvPr id="1" name=""/>
+        <p:cNvGrpSpPr/>
+        <p:nvPr/>
+      </p:nvGrpSpPr>
+      <p:grpSpPr>
+        <a:xfrm>
+          <a:off x="0" y="0"/>
+          <a:ext cx="0" cy="0"/>
+          <a:chOff x="0" y="0"/>
+          <a:chExt cx="0" cy="0"/>
+        </a:xfrm>
+      </p:grpSpPr>
+      <p:sp>
+        <p:nvSpPr>
+          <p:cNvPr id="2" name="文本框 1"/>
+          <p:cNvSpPr txBox="1"/>
+          <p:nvPr/>
+        </p:nvSpPr>
+        <p:spPr>
+          <a:xfrm>
+            <a:off x="304800" y="304800"/>
+            <a:ext cx="11112500" cy="461665"/>
+          </a:xfrm>
+          <a:prstGeom prst="rect">
+            <a:avLst/>
+          </a:prstGeom>
+          <a:noFill/>
+        </p:spPr>
+        <p:txBody>
+          <a:bodyPr wrap="square" rtlCol="0">
+            <a:spAutoFit/>
+          </a:bodyPr>
+          <a:lstStyle/>
+          <a:p>
+            <a:r>
+              <a:rPr lang="en-US" altLang="zh-CN" sz="2400" dirty="0" smtClean="0">
+                <a:latin typeface="微软雅黑" panose="020B0503020204020204" pitchFamily="34" charset="-122"/>
+                <a:ea typeface="微软雅黑" panose="020B0503020204020204" pitchFamily="34" charset="-122"/>
+              </a:rPr>
+              <a:t>3.</a:t>
+            </a:r>
+            <a:r>
+              <a:rPr lang="zh-CN" altLang="en-US" sz="2400" dirty="0" smtClean="0">
+                <a:latin typeface="微软雅黑" panose="020B0503020204020204" pitchFamily="34" charset="-122"/>
+                <a:ea typeface="微软雅黑" panose="020B0503020204020204" pitchFamily="34" charset="-122"/>
+              </a:rPr>
+              <a:t>对字符串进行反转</a:t>
+            </a:r>
+            <a:endParaRPr lang="en-US" altLang="zh-CN" sz="2400" dirty="0" smtClean="0">
+              <a:latin typeface="微软雅黑" panose="020B0503020204020204" pitchFamily="34" charset="-122"/>
+              <a:ea typeface="微软雅黑" panose="020B0503020204020204" pitchFamily="34" charset="-122"/>
+            </a:endParaRPr>
+          </a:p>
+        </p:txBody>
+      </p:sp>
+      <p:sp>
+        <p:nvSpPr>
+          <p:cNvPr id="3" name="文本框 2"/>
+          <p:cNvSpPr txBox="1"/>
+          <p:nvPr/>
+        </p:nvSpPr>
+        <p:spPr>
+          <a:xfrm>
+            <a:off x="304800" y="1270000"/>
+            <a:ext cx="11112500" cy="461665"/>
+          </a:xfrm>
+          <a:prstGeom prst="rect">
+            <a:avLst/>
+          </a:prstGeom>
+          <a:noFill/>
+        </p:spPr>
+        <p:txBody>
+          <a:bodyPr wrap="square" rtlCol="0">
+            <a:spAutoFit/>
+          </a:bodyPr>
+          <a:lstStyle/>
+          <a:p>
+            <a:r>
+              <a:rPr lang="zh-CN" altLang="en-US" sz="2400" dirty="0" smtClean="0">
+                <a:latin typeface="微软雅黑" panose="020B0503020204020204" pitchFamily="34" charset="-122"/>
+                <a:ea typeface="微软雅黑" panose="020B0503020204020204" pitchFamily="34" charset="-122"/>
+              </a:rPr>
+              <a:t>首尾交换</a:t>
+            </a:r>
+            <a:endParaRPr lang="en-US" altLang="zh-CN" sz="2400" dirty="0" smtClean="0">
+              <a:latin typeface="微软雅黑" panose="020B0503020204020204" pitchFamily="34" charset="-122"/>
+              <a:ea typeface="微软雅黑" panose="020B0503020204020204" pitchFamily="34" charset="-122"/>
+            </a:endParaRPr>
+          </a:p>
+        </p:txBody>
+      </p:sp>
+      <p:sp>
+        <p:nvSpPr>
+          <p:cNvPr id="4" name="文本框 3"/>
+          <p:cNvSpPr txBox="1"/>
+          <p:nvPr/>
+        </p:nvSpPr>
+        <p:spPr>
+          <a:xfrm>
+            <a:off x="304800" y="2452914"/>
+            <a:ext cx="11112500" cy="461665"/>
+          </a:xfrm>
+          <a:prstGeom prst="rect">
+            <a:avLst/>
+          </a:prstGeom>
+          <a:noFill/>
+        </p:spPr>
+        <p:txBody>
+          <a:bodyPr wrap="square" rtlCol="0">
+            <a:spAutoFit/>
+          </a:bodyPr>
+          <a:lstStyle/>
+          <a:p>
+            <a:r>
+              <a:rPr lang="zh-CN" altLang="en-US" sz="2400" dirty="0" smtClean="0">
+                <a:latin typeface="微软雅黑" panose="020B0503020204020204" pitchFamily="34" charset="-122"/>
+                <a:ea typeface="微软雅黑" panose="020B0503020204020204" pitchFamily="34" charset="-122"/>
+              </a:rPr>
+              <a:t>引申：实现单词反转</a:t>
+            </a:r>
+            <a:endParaRPr lang="en-US" altLang="zh-CN" sz="2400" dirty="0" smtClean="0">
+              <a:latin typeface="微软雅黑" panose="020B0503020204020204" pitchFamily="34" charset="-122"/>
+              <a:ea typeface="微软雅黑" panose="020B0503020204020204" pitchFamily="34" charset="-122"/>
+            </a:endParaRPr>
+          </a:p>
+        </p:txBody>
+      </p:sp>
+    </p:spTree>
+    <p:extLst>
+      <p:ext uri="{BB962C8B-B14F-4D97-AF65-F5344CB8AC3E}">
+        <p14:creationId xmlns:p14="http://schemas.microsoft.com/office/powerpoint/2010/main" val="4120853058"/>
+      </p:ext>
+    </p:extLst>
+  </p:cSld>
+  <p:clrMapOvr>
+    <a:masterClrMapping/>
+  </p:clrMapOvr>
+  <p:timing>
+    <p:tnLst>
+      <p:par>
+        <p:cTn id="1" dur="indefinite" restart="never" nodeType="tmRoot"/>
+      </p:par>
+    </p:tnLst>
+  </p:timing>
+</p:sld>
+</file>
+
+<file path=ppt/slides/slide27.xml><?xml version="1.0" encoding="utf-8"?>
+<p:sld xmlns:a="http://schemas.openxmlformats.org/drawingml/2006/main" xmlns:r="http://schemas.openxmlformats.org/officeDocument/2006/relationships" xmlns:p="http://schemas.openxmlformats.org/presentationml/2006/main">
+  <p:cSld>
+    <p:spTree>
+      <p:nvGrpSpPr>
+        <p:cNvPr id="1" name=""/>
+        <p:cNvGrpSpPr/>
+        <p:nvPr/>
+      </p:nvGrpSpPr>
+      <p:grpSpPr>
+        <a:xfrm>
+          <a:off x="0" y="0"/>
+          <a:ext cx="0" cy="0"/>
+          <a:chOff x="0" y="0"/>
+          <a:chExt cx="0" cy="0"/>
+        </a:xfrm>
+      </p:grpSpPr>
+      <p:sp>
+        <p:nvSpPr>
+          <p:cNvPr id="2" name="文本框 1"/>
+          <p:cNvSpPr txBox="1"/>
+          <p:nvPr/>
+        </p:nvSpPr>
+        <p:spPr>
+          <a:xfrm>
+            <a:off x="304800" y="304800"/>
+            <a:ext cx="11112500" cy="1569660"/>
+          </a:xfrm>
+          <a:prstGeom prst="rect">
+            <a:avLst/>
+          </a:prstGeom>
+          <a:noFill/>
+        </p:spPr>
+        <p:txBody>
+          <a:bodyPr wrap="square" rtlCol="0">
+            <a:spAutoFit/>
+          </a:bodyPr>
+          <a:lstStyle/>
+          <a:p>
+            <a:r>
+              <a:rPr lang="en-US" altLang="zh-CN" sz="2400" dirty="0" smtClean="0">
+                <a:latin typeface="微软雅黑" panose="020B0503020204020204" pitchFamily="34" charset="-122"/>
+                <a:ea typeface="微软雅黑" panose="020B0503020204020204" pitchFamily="34" charset="-122"/>
+              </a:rPr>
+              <a:t>4.</a:t>
+            </a:r>
+            <a:r>
+              <a:rPr lang="zh-CN" altLang="en-US" sz="2400" dirty="0" smtClean="0">
+                <a:latin typeface="微软雅黑" panose="020B0503020204020204" pitchFamily="34" charset="-122"/>
+                <a:ea typeface="微软雅黑" panose="020B0503020204020204" pitchFamily="34" charset="-122"/>
+              </a:rPr>
+              <a:t>判断两个字符串是否为换位字符串</a:t>
+            </a:r>
+            <a:endParaRPr lang="en-US" altLang="zh-CN" sz="2400" dirty="0" smtClean="0">
+              <a:latin typeface="微软雅黑" panose="020B0503020204020204" pitchFamily="34" charset="-122"/>
+              <a:ea typeface="微软雅黑" panose="020B0503020204020204" pitchFamily="34" charset="-122"/>
+            </a:endParaRPr>
+          </a:p>
+          <a:p>
+            <a:endParaRPr lang="en-US" altLang="zh-CN" sz="2400" dirty="0">
+              <a:latin typeface="微软雅黑" panose="020B0503020204020204" pitchFamily="34" charset="-122"/>
+              <a:ea typeface="微软雅黑" panose="020B0503020204020204" pitchFamily="34" charset="-122"/>
+            </a:endParaRPr>
+          </a:p>
+          <a:p>
+            <a:r>
+              <a:rPr lang="zh-CN" altLang="en-US" sz="2400" dirty="0" smtClean="0">
+                <a:latin typeface="微软雅黑" panose="020B0503020204020204" pitchFamily="34" charset="-122"/>
+                <a:ea typeface="微软雅黑" panose="020B0503020204020204" pitchFamily="34" charset="-122"/>
+              </a:rPr>
+              <a:t>使用哈希建立每个字符的出现次数，一个字符串用来增加计数，一个字符串用来减少，查看最后哈希表中是否为</a:t>
+            </a:r>
+            <a:r>
+              <a:rPr lang="en-US" altLang="zh-CN" sz="2400" dirty="0" smtClean="0">
+                <a:latin typeface="微软雅黑" panose="020B0503020204020204" pitchFamily="34" charset="-122"/>
+                <a:ea typeface="微软雅黑" panose="020B0503020204020204" pitchFamily="34" charset="-122"/>
+              </a:rPr>
+              <a:t>0</a:t>
+            </a:r>
+            <a:endParaRPr lang="en-US" altLang="zh-CN" sz="2400" dirty="0" smtClean="0">
+              <a:latin typeface="微软雅黑" panose="020B0503020204020204" pitchFamily="34" charset="-122"/>
+              <a:ea typeface="微软雅黑" panose="020B0503020204020204" pitchFamily="34" charset="-122"/>
+            </a:endParaRPr>
+          </a:p>
+        </p:txBody>
+      </p:sp>
+    </p:spTree>
+    <p:extLst>
+      <p:ext uri="{BB962C8B-B14F-4D97-AF65-F5344CB8AC3E}">
+        <p14:creationId xmlns:p14="http://schemas.microsoft.com/office/powerpoint/2010/main" val="1231061442"/>
+      </p:ext>
+    </p:extLst>
+  </p:cSld>
+  <p:clrMapOvr>
+    <a:masterClrMapping/>
+  </p:clrMapOvr>
+  <p:timing>
+    <p:tnLst>
+      <p:par>
+        <p:cTn id="1" dur="indefinite" restart="never" nodeType="tmRoot"/>
+      </p:par>
+    </p:tnLst>
+  </p:timing>
+</p:sld>
+</file>
+
+<file path=ppt/slides/slide28.xml><?xml version="1.0" encoding="utf-8"?>
+<p:sld xmlns:a="http://schemas.openxmlformats.org/drawingml/2006/main" xmlns:r="http://schemas.openxmlformats.org/officeDocument/2006/relationships" xmlns:p="http://schemas.openxmlformats.org/presentationml/2006/main">
+  <p:cSld>
+    <p:spTree>
+      <p:nvGrpSpPr>
+        <p:cNvPr id="1" name=""/>
+        <p:cNvGrpSpPr/>
+        <p:nvPr/>
+      </p:nvGrpSpPr>
+      <p:grpSpPr>
+        <a:xfrm>
+          <a:off x="0" y="0"/>
+          <a:ext cx="0" cy="0"/>
+          <a:chOff x="0" y="0"/>
+          <a:chExt cx="0" cy="0"/>
+        </a:xfrm>
+      </p:grpSpPr>
+      <p:sp>
+        <p:nvSpPr>
+          <p:cNvPr id="2" name="文本框 1"/>
+          <p:cNvSpPr txBox="1"/>
+          <p:nvPr/>
+        </p:nvSpPr>
+        <p:spPr>
+          <a:xfrm>
+            <a:off x="304800" y="304800"/>
+            <a:ext cx="11112500" cy="1938992"/>
+          </a:xfrm>
+          <a:prstGeom prst="rect">
+            <a:avLst/>
+          </a:prstGeom>
+          <a:noFill/>
+        </p:spPr>
+        <p:txBody>
+          <a:bodyPr wrap="square" rtlCol="0">
+            <a:spAutoFit/>
+          </a:bodyPr>
+          <a:lstStyle/>
+          <a:p>
+            <a:r>
+              <a:rPr lang="en-US" altLang="zh-CN" sz="2400" dirty="0" smtClean="0">
+                <a:latin typeface="微软雅黑" panose="020B0503020204020204" pitchFamily="34" charset="-122"/>
+                <a:ea typeface="微软雅黑" panose="020B0503020204020204" pitchFamily="34" charset="-122"/>
+              </a:rPr>
+              <a:t>5.</a:t>
+            </a:r>
+            <a:r>
+              <a:rPr lang="zh-CN" altLang="en-US" sz="2400" dirty="0" smtClean="0">
+                <a:latin typeface="微软雅黑" panose="020B0503020204020204" pitchFamily="34" charset="-122"/>
+                <a:ea typeface="微软雅黑" panose="020B0503020204020204" pitchFamily="34" charset="-122"/>
+              </a:rPr>
+              <a:t>判断两个字符串的包含关系</a:t>
+            </a:r>
+            <a:r>
+              <a:rPr lang="en-US" altLang="zh-CN" sz="2400" dirty="0" smtClean="0">
+                <a:latin typeface="微软雅黑" panose="020B0503020204020204" pitchFamily="34" charset="-122"/>
+                <a:ea typeface="微软雅黑" panose="020B0503020204020204" pitchFamily="34" charset="-122"/>
+              </a:rPr>
+              <a:t>—</a:t>
+            </a:r>
+            <a:r>
+              <a:rPr lang="zh-CN" altLang="en-US" sz="2400" dirty="0" smtClean="0">
+                <a:latin typeface="微软雅黑" panose="020B0503020204020204" pitchFamily="34" charset="-122"/>
+                <a:ea typeface="微软雅黑" panose="020B0503020204020204" pitchFamily="34" charset="-122"/>
+              </a:rPr>
+              <a:t>仅仅是字符串</a:t>
+            </a:r>
+            <a:r>
+              <a:rPr lang="en-US" altLang="zh-CN" sz="2400" dirty="0" smtClean="0">
+                <a:latin typeface="微软雅黑" panose="020B0503020204020204" pitchFamily="34" charset="-122"/>
+                <a:ea typeface="微软雅黑" panose="020B0503020204020204" pitchFamily="34" charset="-122"/>
+              </a:rPr>
+              <a:t>2</a:t>
+            </a:r>
+            <a:r>
+              <a:rPr lang="zh-CN" altLang="en-US" sz="2400" dirty="0" smtClean="0">
+                <a:latin typeface="微软雅黑" panose="020B0503020204020204" pitchFamily="34" charset="-122"/>
+                <a:ea typeface="微软雅黑" panose="020B0503020204020204" pitchFamily="34" charset="-122"/>
+              </a:rPr>
+              <a:t>的字符种类是否都在字符串</a:t>
+            </a:r>
+            <a:r>
+              <a:rPr lang="en-US" altLang="zh-CN" sz="2400" dirty="0" smtClean="0">
+                <a:latin typeface="微软雅黑" panose="020B0503020204020204" pitchFamily="34" charset="-122"/>
+                <a:ea typeface="微软雅黑" panose="020B0503020204020204" pitchFamily="34" charset="-122"/>
+              </a:rPr>
+              <a:t>1</a:t>
+            </a:r>
+            <a:r>
+              <a:rPr lang="zh-CN" altLang="en-US" sz="2400" dirty="0" smtClean="0">
+                <a:latin typeface="微软雅黑" panose="020B0503020204020204" pitchFamily="34" charset="-122"/>
+                <a:ea typeface="微软雅黑" panose="020B0503020204020204" pitchFamily="34" charset="-122"/>
+              </a:rPr>
+              <a:t>中</a:t>
+            </a:r>
+            <a:endParaRPr lang="en-US" altLang="zh-CN" sz="2400" dirty="0" smtClean="0">
+              <a:latin typeface="微软雅黑" panose="020B0503020204020204" pitchFamily="34" charset="-122"/>
+              <a:ea typeface="微软雅黑" panose="020B0503020204020204" pitchFamily="34" charset="-122"/>
+            </a:endParaRPr>
+          </a:p>
+          <a:p>
+            <a:endParaRPr lang="en-US" altLang="zh-CN" sz="2400" dirty="0">
+              <a:latin typeface="微软雅黑" panose="020B0503020204020204" pitchFamily="34" charset="-122"/>
+              <a:ea typeface="微软雅黑" panose="020B0503020204020204" pitchFamily="34" charset="-122"/>
+            </a:endParaRPr>
+          </a:p>
+          <a:p>
+            <a:r>
+              <a:rPr lang="zh-CN" altLang="en-US" sz="2400" dirty="0" smtClean="0">
+                <a:latin typeface="微软雅黑" panose="020B0503020204020204" pitchFamily="34" charset="-122"/>
+                <a:ea typeface="微软雅黑" panose="020B0503020204020204" pitchFamily="34" charset="-122"/>
+              </a:rPr>
+              <a:t>直接法</a:t>
+            </a:r>
+            <a:endParaRPr lang="en-US" altLang="zh-CN" sz="2400" dirty="0" smtClean="0">
+              <a:latin typeface="微软雅黑" panose="020B0503020204020204" pitchFamily="34" charset="-122"/>
+              <a:ea typeface="微软雅黑" panose="020B0503020204020204" pitchFamily="34" charset="-122"/>
+            </a:endParaRPr>
+          </a:p>
+          <a:p>
+            <a:endParaRPr lang="en-US" altLang="zh-CN" sz="2400" dirty="0">
+              <a:latin typeface="微软雅黑" panose="020B0503020204020204" pitchFamily="34" charset="-122"/>
+              <a:ea typeface="微软雅黑" panose="020B0503020204020204" pitchFamily="34" charset="-122"/>
+            </a:endParaRPr>
+          </a:p>
+          <a:p>
+            <a:r>
+              <a:rPr lang="zh-CN" altLang="en-US" sz="2400" dirty="0" smtClean="0">
+                <a:latin typeface="微软雅黑" panose="020B0503020204020204" pitchFamily="34" charset="-122"/>
+                <a:ea typeface="微软雅黑" panose="020B0503020204020204" pitchFamily="34" charset="-122"/>
+              </a:rPr>
+              <a:t>使用哈希表建立</a:t>
+            </a:r>
+            <a:endParaRPr lang="en-US" altLang="zh-CN" sz="2400" dirty="0" smtClean="0">
+              <a:latin typeface="微软雅黑" panose="020B0503020204020204" pitchFamily="34" charset="-122"/>
+              <a:ea typeface="微软雅黑" panose="020B0503020204020204" pitchFamily="34" charset="-122"/>
+            </a:endParaRPr>
+          </a:p>
+        </p:txBody>
+      </p:sp>
+    </p:spTree>
+    <p:extLst>
+      <p:ext uri="{BB962C8B-B14F-4D97-AF65-F5344CB8AC3E}">
+        <p14:creationId xmlns:p14="http://schemas.microsoft.com/office/powerpoint/2010/main" val="2392684665"/>
+      </p:ext>
+    </p:extLst>
+  </p:cSld>
+  <p:clrMapOvr>
+    <a:masterClrMapping/>
+  </p:clrMapOvr>
+  <p:timing>
+    <p:tnLst>
+      <p:par>
+        <p:cTn id="1" dur="indefinite" restart="never" nodeType="tmRoot"/>
+      </p:par>
+    </p:tnLst>
+  </p:timing>
+</p:sld>
+</file>
+
+<file path=ppt/slides/slide29.xml><?xml version="1.0" encoding="utf-8"?>
+<p:sld xmlns:a="http://schemas.openxmlformats.org/drawingml/2006/main" xmlns:r="http://schemas.openxmlformats.org/officeDocument/2006/relationships" xmlns:p="http://schemas.openxmlformats.org/presentationml/2006/main">
+  <p:cSld>
+    <p:spTree>
+      <p:nvGrpSpPr>
+        <p:cNvPr id="1" name=""/>
+        <p:cNvGrpSpPr/>
+        <p:nvPr/>
+      </p:nvGrpSpPr>
+      <p:grpSpPr>
+        <a:xfrm>
+          <a:off x="0" y="0"/>
+          <a:ext cx="0" cy="0"/>
+          <a:chOff x="0" y="0"/>
+          <a:chExt cx="0" cy="0"/>
+        </a:xfrm>
+      </p:grpSpPr>
+      <p:sp>
+        <p:nvSpPr>
+          <p:cNvPr id="2" name="文本框 1"/>
+          <p:cNvSpPr txBox="1"/>
+          <p:nvPr/>
+        </p:nvSpPr>
+        <p:spPr>
+          <a:xfrm>
+            <a:off x="304800" y="304800"/>
+            <a:ext cx="11112500" cy="1200329"/>
+          </a:xfrm>
+          <a:prstGeom prst="rect">
+            <a:avLst/>
+          </a:prstGeom>
+          <a:noFill/>
+        </p:spPr>
+        <p:txBody>
+          <a:bodyPr wrap="square" rtlCol="0">
+            <a:spAutoFit/>
+          </a:bodyPr>
+          <a:lstStyle/>
+          <a:p>
+            <a:r>
+              <a:rPr lang="en-US" altLang="zh-CN" sz="2400" dirty="0" smtClean="0">
+                <a:latin typeface="微软雅黑" panose="020B0503020204020204" pitchFamily="34" charset="-122"/>
+                <a:ea typeface="微软雅黑" panose="020B0503020204020204" pitchFamily="34" charset="-122"/>
+              </a:rPr>
+              <a:t>6.</a:t>
+            </a:r>
+            <a:r>
+              <a:rPr lang="zh-CN" altLang="en-US" sz="2400" dirty="0" smtClean="0">
+                <a:latin typeface="微软雅黑" panose="020B0503020204020204" pitchFamily="34" charset="-122"/>
+                <a:ea typeface="微软雅黑" panose="020B0503020204020204" pitchFamily="34" charset="-122"/>
+              </a:rPr>
+              <a:t>对由大小写字母组成的字符数组排序</a:t>
+            </a:r>
+            <a:endParaRPr lang="en-US" altLang="zh-CN" sz="2400" dirty="0" smtClean="0">
+              <a:latin typeface="微软雅黑" panose="020B0503020204020204" pitchFamily="34" charset="-122"/>
+              <a:ea typeface="微软雅黑" panose="020B0503020204020204" pitchFamily="34" charset="-122"/>
+            </a:endParaRPr>
+          </a:p>
+          <a:p>
+            <a:endParaRPr lang="en-US" altLang="zh-CN" sz="2400" dirty="0">
+              <a:latin typeface="微软雅黑" panose="020B0503020204020204" pitchFamily="34" charset="-122"/>
+              <a:ea typeface="微软雅黑" panose="020B0503020204020204" pitchFamily="34" charset="-122"/>
+            </a:endParaRPr>
+          </a:p>
+          <a:p>
+            <a:r>
+              <a:rPr lang="zh-CN" altLang="en-US" sz="2400" dirty="0" smtClean="0">
+                <a:latin typeface="微软雅黑" panose="020B0503020204020204" pitchFamily="34" charset="-122"/>
+                <a:ea typeface="微软雅黑" panose="020B0503020204020204" pitchFamily="34" charset="-122"/>
+              </a:rPr>
+              <a:t>简单   首尾标杆移动交换</a:t>
+            </a:r>
+            <a:endParaRPr lang="en-US" altLang="zh-CN" sz="2400" dirty="0" smtClean="0">
+              <a:latin typeface="微软雅黑" panose="020B0503020204020204" pitchFamily="34" charset="-122"/>
+              <a:ea typeface="微软雅黑" panose="020B0503020204020204" pitchFamily="34" charset="-122"/>
+            </a:endParaRPr>
+          </a:p>
+        </p:txBody>
+      </p:sp>
+    </p:spTree>
+    <p:extLst>
+      <p:ext uri="{BB962C8B-B14F-4D97-AF65-F5344CB8AC3E}">
+        <p14:creationId xmlns:p14="http://schemas.microsoft.com/office/powerpoint/2010/main" val="1297927329"/>
       </p:ext>
     </p:extLst>
   </p:cSld>
@@ -5172,6 +6116,799 @@
     <p:extLst>
       <p:ext uri="{BB962C8B-B14F-4D97-AF65-F5344CB8AC3E}">
         <p14:creationId xmlns:p14="http://schemas.microsoft.com/office/powerpoint/2010/main" val="2515703173"/>
+      </p:ext>
+    </p:extLst>
+  </p:cSld>
+  <p:clrMapOvr>
+    <a:masterClrMapping/>
+  </p:clrMapOvr>
+  <p:timing>
+    <p:tnLst>
+      <p:par>
+        <p:cTn id="1" dur="indefinite" restart="never" nodeType="tmRoot"/>
+      </p:par>
+    </p:tnLst>
+  </p:timing>
+</p:sld>
+</file>
+
+<file path=ppt/slides/slide30.xml><?xml version="1.0" encoding="utf-8"?>
+<p:sld xmlns:a="http://schemas.openxmlformats.org/drawingml/2006/main" xmlns:r="http://schemas.openxmlformats.org/officeDocument/2006/relationships" xmlns:p="http://schemas.openxmlformats.org/presentationml/2006/main">
+  <p:cSld>
+    <p:spTree>
+      <p:nvGrpSpPr>
+        <p:cNvPr id="1" name=""/>
+        <p:cNvGrpSpPr/>
+        <p:nvPr/>
+      </p:nvGrpSpPr>
+      <p:grpSpPr>
+        <a:xfrm>
+          <a:off x="0" y="0"/>
+          <a:ext cx="0" cy="0"/>
+          <a:chOff x="0" y="0"/>
+          <a:chExt cx="0" cy="0"/>
+        </a:xfrm>
+      </p:grpSpPr>
+      <p:sp>
+        <p:nvSpPr>
+          <p:cNvPr id="2" name="文本框 1"/>
+          <p:cNvSpPr txBox="1"/>
+          <p:nvPr/>
+        </p:nvSpPr>
+        <p:spPr>
+          <a:xfrm>
+            <a:off x="304800" y="304800"/>
+            <a:ext cx="11112500" cy="2308324"/>
+          </a:xfrm>
+          <a:prstGeom prst="rect">
+            <a:avLst/>
+          </a:prstGeom>
+          <a:noFill/>
+        </p:spPr>
+        <p:txBody>
+          <a:bodyPr wrap="square" rtlCol="0">
+            <a:spAutoFit/>
+          </a:bodyPr>
+          <a:lstStyle/>
+          <a:p>
+            <a:r>
+              <a:rPr lang="en-US" altLang="zh-CN" sz="2400" dirty="0" smtClean="0">
+                <a:latin typeface="微软雅黑" panose="020B0503020204020204" pitchFamily="34" charset="-122"/>
+                <a:ea typeface="微软雅黑" panose="020B0503020204020204" pitchFamily="34" charset="-122"/>
+              </a:rPr>
+              <a:t>7.</a:t>
+            </a:r>
+            <a:r>
+              <a:rPr lang="zh-CN" altLang="en-US" sz="2400" dirty="0" smtClean="0">
+                <a:latin typeface="微软雅黑" panose="020B0503020204020204" pitchFamily="34" charset="-122"/>
+                <a:ea typeface="微软雅黑" panose="020B0503020204020204" pitchFamily="34" charset="-122"/>
+              </a:rPr>
+              <a:t>消除字符串的内嵌括号</a:t>
+            </a:r>
+            <a:endParaRPr lang="en-US" altLang="zh-CN" sz="2400" dirty="0" smtClean="0">
+              <a:latin typeface="微软雅黑" panose="020B0503020204020204" pitchFamily="34" charset="-122"/>
+              <a:ea typeface="微软雅黑" panose="020B0503020204020204" pitchFamily="34" charset="-122"/>
+            </a:endParaRPr>
+          </a:p>
+          <a:p>
+            <a:endParaRPr lang="en-US" altLang="zh-CN" sz="2400" dirty="0">
+              <a:latin typeface="微软雅黑" panose="020B0503020204020204" pitchFamily="34" charset="-122"/>
+              <a:ea typeface="微软雅黑" panose="020B0503020204020204" pitchFamily="34" charset="-122"/>
+            </a:endParaRPr>
+          </a:p>
+          <a:p>
+            <a:r>
+              <a:rPr lang="zh-CN" altLang="en-US" sz="2400" dirty="0" smtClean="0">
+                <a:latin typeface="微软雅黑" panose="020B0503020204020204" pitchFamily="34" charset="-122"/>
+                <a:ea typeface="微软雅黑" panose="020B0503020204020204" pitchFamily="34" charset="-122"/>
+              </a:rPr>
+              <a:t>解决两个问题：</a:t>
+            </a:r>
+            <a:endParaRPr lang="en-US" altLang="zh-CN" sz="2400" dirty="0" smtClean="0">
+              <a:latin typeface="微软雅黑" panose="020B0503020204020204" pitchFamily="34" charset="-122"/>
+              <a:ea typeface="微软雅黑" panose="020B0503020204020204" pitchFamily="34" charset="-122"/>
+            </a:endParaRPr>
+          </a:p>
+          <a:p>
+            <a:endParaRPr lang="en-US" altLang="zh-CN" sz="2400" dirty="0">
+              <a:latin typeface="微软雅黑" panose="020B0503020204020204" pitchFamily="34" charset="-122"/>
+              <a:ea typeface="微软雅黑" panose="020B0503020204020204" pitchFamily="34" charset="-122"/>
+            </a:endParaRPr>
+          </a:p>
+          <a:p>
+            <a:r>
+              <a:rPr lang="en-US" altLang="zh-CN" sz="2400" dirty="0" smtClean="0">
+                <a:latin typeface="微软雅黑" panose="020B0503020204020204" pitchFamily="34" charset="-122"/>
+                <a:ea typeface="微软雅黑" panose="020B0503020204020204" pitchFamily="34" charset="-122"/>
+              </a:rPr>
+              <a:t>-</a:t>
+            </a:r>
+            <a:r>
+              <a:rPr lang="zh-CN" altLang="en-US" sz="2400" dirty="0" smtClean="0">
+                <a:latin typeface="微软雅黑" panose="020B0503020204020204" pitchFamily="34" charset="-122"/>
+                <a:ea typeface="微软雅黑" panose="020B0503020204020204" pitchFamily="34" charset="-122"/>
+              </a:rPr>
+              <a:t>字符串表达式是否正确：使用栈的方法</a:t>
+            </a:r>
+            <a:endParaRPr lang="en-US" altLang="zh-CN" sz="2400" dirty="0" smtClean="0">
+              <a:latin typeface="微软雅黑" panose="020B0503020204020204" pitchFamily="34" charset="-122"/>
+              <a:ea typeface="微软雅黑" panose="020B0503020204020204" pitchFamily="34" charset="-122"/>
+            </a:endParaRPr>
+          </a:p>
+          <a:p>
+            <a:r>
+              <a:rPr lang="en-US" altLang="zh-CN" sz="2400" dirty="0" smtClean="0">
+                <a:latin typeface="微软雅黑" panose="020B0503020204020204" pitchFamily="34" charset="-122"/>
+                <a:ea typeface="微软雅黑" panose="020B0503020204020204" pitchFamily="34" charset="-122"/>
+              </a:rPr>
+              <a:t>-</a:t>
+            </a:r>
+            <a:r>
+              <a:rPr lang="zh-CN" altLang="en-US" sz="2400" dirty="0" smtClean="0">
+                <a:latin typeface="微软雅黑" panose="020B0503020204020204" pitchFamily="34" charset="-122"/>
+                <a:ea typeface="微软雅黑" panose="020B0503020204020204" pitchFamily="34" charset="-122"/>
+              </a:rPr>
+              <a:t>去掉嵌套的括号</a:t>
+            </a:r>
+            <a:endParaRPr lang="en-US" altLang="zh-CN" sz="2400" dirty="0" smtClean="0">
+              <a:latin typeface="微软雅黑" panose="020B0503020204020204" pitchFamily="34" charset="-122"/>
+              <a:ea typeface="微软雅黑" panose="020B0503020204020204" pitchFamily="34" charset="-122"/>
+            </a:endParaRPr>
+          </a:p>
+        </p:txBody>
+      </p:sp>
+    </p:spTree>
+    <p:extLst>
+      <p:ext uri="{BB962C8B-B14F-4D97-AF65-F5344CB8AC3E}">
+        <p14:creationId xmlns:p14="http://schemas.microsoft.com/office/powerpoint/2010/main" val="1652305888"/>
+      </p:ext>
+    </p:extLst>
+  </p:cSld>
+  <p:clrMapOvr>
+    <a:masterClrMapping/>
+  </p:clrMapOvr>
+  <p:timing>
+    <p:tnLst>
+      <p:par>
+        <p:cTn id="1" dur="indefinite" restart="never" nodeType="tmRoot"/>
+      </p:par>
+    </p:tnLst>
+  </p:timing>
+</p:sld>
+</file>
+
+<file path=ppt/slides/slide31.xml><?xml version="1.0" encoding="utf-8"?>
+<p:sld xmlns:a="http://schemas.openxmlformats.org/drawingml/2006/main" xmlns:r="http://schemas.openxmlformats.org/officeDocument/2006/relationships" xmlns:p="http://schemas.openxmlformats.org/presentationml/2006/main">
+  <p:cSld>
+    <p:spTree>
+      <p:nvGrpSpPr>
+        <p:cNvPr id="1" name=""/>
+        <p:cNvGrpSpPr/>
+        <p:nvPr/>
+      </p:nvGrpSpPr>
+      <p:grpSpPr>
+        <a:xfrm>
+          <a:off x="0" y="0"/>
+          <a:ext cx="0" cy="0"/>
+          <a:chOff x="0" y="0"/>
+          <a:chExt cx="0" cy="0"/>
+        </a:xfrm>
+      </p:grpSpPr>
+      <p:sp>
+        <p:nvSpPr>
+          <p:cNvPr id="2" name="文本框 1"/>
+          <p:cNvSpPr txBox="1"/>
+          <p:nvPr/>
+        </p:nvSpPr>
+        <p:spPr>
+          <a:xfrm>
+            <a:off x="304800" y="304800"/>
+            <a:ext cx="11112500" cy="1200329"/>
+          </a:xfrm>
+          <a:prstGeom prst="rect">
+            <a:avLst/>
+          </a:prstGeom>
+          <a:noFill/>
+        </p:spPr>
+        <p:txBody>
+          <a:bodyPr wrap="square" rtlCol="0">
+            <a:spAutoFit/>
+          </a:bodyPr>
+          <a:lstStyle/>
+          <a:p>
+            <a:r>
+              <a:rPr lang="en-US" altLang="zh-CN" sz="2400" dirty="0" smtClean="0">
+                <a:latin typeface="微软雅黑" panose="020B0503020204020204" pitchFamily="34" charset="-122"/>
+                <a:ea typeface="微软雅黑" panose="020B0503020204020204" pitchFamily="34" charset="-122"/>
+              </a:rPr>
+              <a:t>8.</a:t>
+            </a:r>
+            <a:r>
+              <a:rPr lang="zh-CN" altLang="en-US" sz="2400" dirty="0" smtClean="0">
+                <a:latin typeface="微软雅黑" panose="020B0503020204020204" pitchFamily="34" charset="-122"/>
+                <a:ea typeface="微软雅黑" panose="020B0503020204020204" pitchFamily="34" charset="-122"/>
+              </a:rPr>
+              <a:t>判断字符串是否时整数</a:t>
+            </a:r>
+            <a:endParaRPr lang="en-US" altLang="zh-CN" sz="2400" dirty="0" smtClean="0">
+              <a:latin typeface="微软雅黑" panose="020B0503020204020204" pitchFamily="34" charset="-122"/>
+              <a:ea typeface="微软雅黑" panose="020B0503020204020204" pitchFamily="34" charset="-122"/>
+            </a:endParaRPr>
+          </a:p>
+          <a:p>
+            <a:endParaRPr lang="en-US" altLang="zh-CN" sz="2400" dirty="0">
+              <a:latin typeface="微软雅黑" panose="020B0503020204020204" pitchFamily="34" charset="-122"/>
+              <a:ea typeface="微软雅黑" panose="020B0503020204020204" pitchFamily="34" charset="-122"/>
+            </a:endParaRPr>
+          </a:p>
+          <a:p>
+            <a:r>
+              <a:rPr lang="zh-CN" altLang="en-US" sz="2400" dirty="0" smtClean="0">
+                <a:latin typeface="微软雅黑" panose="020B0503020204020204" pitchFamily="34" charset="-122"/>
+                <a:ea typeface="微软雅黑" panose="020B0503020204020204" pitchFamily="34" charset="-122"/>
+              </a:rPr>
+              <a:t>注意正负号即可</a:t>
+            </a:r>
+            <a:endParaRPr lang="en-US" altLang="zh-CN" sz="2400" dirty="0" smtClean="0">
+              <a:latin typeface="微软雅黑" panose="020B0503020204020204" pitchFamily="34" charset="-122"/>
+              <a:ea typeface="微软雅黑" panose="020B0503020204020204" pitchFamily="34" charset="-122"/>
+            </a:endParaRPr>
+          </a:p>
+        </p:txBody>
+      </p:sp>
+    </p:spTree>
+    <p:extLst>
+      <p:ext uri="{BB962C8B-B14F-4D97-AF65-F5344CB8AC3E}">
+        <p14:creationId xmlns:p14="http://schemas.microsoft.com/office/powerpoint/2010/main" val="322686008"/>
+      </p:ext>
+    </p:extLst>
+  </p:cSld>
+  <p:clrMapOvr>
+    <a:masterClrMapping/>
+  </p:clrMapOvr>
+  <p:timing>
+    <p:tnLst>
+      <p:par>
+        <p:cTn id="1" dur="indefinite" restart="never" nodeType="tmRoot"/>
+      </p:par>
+    </p:tnLst>
+  </p:timing>
+</p:sld>
+</file>
+
+<file path=ppt/slides/slide32.xml><?xml version="1.0" encoding="utf-8"?>
+<p:sld xmlns:a="http://schemas.openxmlformats.org/drawingml/2006/main" xmlns:r="http://schemas.openxmlformats.org/officeDocument/2006/relationships" xmlns:p="http://schemas.openxmlformats.org/presentationml/2006/main">
+  <p:cSld>
+    <p:spTree>
+      <p:nvGrpSpPr>
+        <p:cNvPr id="1" name=""/>
+        <p:cNvGrpSpPr/>
+        <p:nvPr/>
+      </p:nvGrpSpPr>
+      <p:grpSpPr>
+        <a:xfrm>
+          <a:off x="0" y="0"/>
+          <a:ext cx="0" cy="0"/>
+          <a:chOff x="0" y="0"/>
+          <a:chExt cx="0" cy="0"/>
+        </a:xfrm>
+      </p:grpSpPr>
+      <p:sp>
+        <p:nvSpPr>
+          <p:cNvPr id="2" name="文本框 1"/>
+          <p:cNvSpPr txBox="1"/>
+          <p:nvPr/>
+        </p:nvSpPr>
+        <p:spPr>
+          <a:xfrm>
+            <a:off x="304800" y="304800"/>
+            <a:ext cx="11112500" cy="461665"/>
+          </a:xfrm>
+          <a:prstGeom prst="rect">
+            <a:avLst/>
+          </a:prstGeom>
+          <a:noFill/>
+        </p:spPr>
+        <p:txBody>
+          <a:bodyPr wrap="square" rtlCol="0">
+            <a:spAutoFit/>
+          </a:bodyPr>
+          <a:lstStyle/>
+          <a:p>
+            <a:r>
+              <a:rPr lang="en-US" altLang="zh-CN" sz="2400" dirty="0" smtClean="0">
+                <a:latin typeface="微软雅黑" panose="020B0503020204020204" pitchFamily="34" charset="-122"/>
+                <a:ea typeface="微软雅黑" panose="020B0503020204020204" pitchFamily="34" charset="-122"/>
+              </a:rPr>
+              <a:t>10.</a:t>
+            </a:r>
+            <a:r>
+              <a:rPr lang="zh-CN" altLang="en-US" sz="2400" dirty="0" smtClean="0">
+                <a:latin typeface="微软雅黑" panose="020B0503020204020204" pitchFamily="34" charset="-122"/>
+                <a:ea typeface="微软雅黑" panose="020B0503020204020204" pitchFamily="34" charset="-122"/>
+              </a:rPr>
+              <a:t>字符串的最长回文串</a:t>
+            </a:r>
+            <a:endParaRPr lang="en-US" altLang="zh-CN" sz="2400" dirty="0" smtClean="0">
+              <a:latin typeface="微软雅黑" panose="020B0503020204020204" pitchFamily="34" charset="-122"/>
+              <a:ea typeface="微软雅黑" panose="020B0503020204020204" pitchFamily="34" charset="-122"/>
+            </a:endParaRPr>
+          </a:p>
+        </p:txBody>
+      </p:sp>
+    </p:spTree>
+    <p:extLst>
+      <p:ext uri="{BB962C8B-B14F-4D97-AF65-F5344CB8AC3E}">
+        <p14:creationId xmlns:p14="http://schemas.microsoft.com/office/powerpoint/2010/main" val="2214890311"/>
+      </p:ext>
+    </p:extLst>
+  </p:cSld>
+  <p:clrMapOvr>
+    <a:masterClrMapping/>
+  </p:clrMapOvr>
+  <p:timing>
+    <p:tnLst>
+      <p:par>
+        <p:cTn id="1" dur="indefinite" restart="never" nodeType="tmRoot"/>
+      </p:par>
+    </p:tnLst>
+  </p:timing>
+</p:sld>
+</file>
+
+<file path=ppt/slides/slide33.xml><?xml version="1.0" encoding="utf-8"?>
+<p:sld xmlns:a="http://schemas.openxmlformats.org/drawingml/2006/main" xmlns:r="http://schemas.openxmlformats.org/officeDocument/2006/relationships" xmlns:p="http://schemas.openxmlformats.org/presentationml/2006/main">
+  <p:cSld>
+    <p:spTree>
+      <p:nvGrpSpPr>
+        <p:cNvPr id="1" name=""/>
+        <p:cNvGrpSpPr/>
+        <p:nvPr/>
+      </p:nvGrpSpPr>
+      <p:grpSpPr>
+        <a:xfrm>
+          <a:off x="0" y="0"/>
+          <a:ext cx="0" cy="0"/>
+          <a:chOff x="0" y="0"/>
+          <a:chExt cx="0" cy="0"/>
+        </a:xfrm>
+      </p:grpSpPr>
+      <p:sp>
+        <p:nvSpPr>
+          <p:cNvPr id="2" name="文本框 1"/>
+          <p:cNvSpPr txBox="1"/>
+          <p:nvPr/>
+        </p:nvSpPr>
+        <p:spPr>
+          <a:xfrm>
+            <a:off x="304800" y="304800"/>
+            <a:ext cx="11112500" cy="1200329"/>
+          </a:xfrm>
+          <a:prstGeom prst="rect">
+            <a:avLst/>
+          </a:prstGeom>
+          <a:noFill/>
+        </p:spPr>
+        <p:txBody>
+          <a:bodyPr wrap="square" rtlCol="0">
+            <a:spAutoFit/>
+          </a:bodyPr>
+          <a:lstStyle/>
+          <a:p>
+            <a:r>
+              <a:rPr lang="en-US" altLang="zh-CN" sz="2400" dirty="0" smtClean="0">
+                <a:latin typeface="微软雅黑" panose="020B0503020204020204" pitchFamily="34" charset="-122"/>
+                <a:ea typeface="微软雅黑" panose="020B0503020204020204" pitchFamily="34" charset="-122"/>
+              </a:rPr>
+              <a:t>12.</a:t>
+            </a:r>
+            <a:r>
+              <a:rPr lang="zh-CN" altLang="en-US" sz="2400" dirty="0" smtClean="0">
+                <a:latin typeface="微软雅黑" panose="020B0503020204020204" pitchFamily="34" charset="-122"/>
+                <a:ea typeface="微软雅黑" panose="020B0503020204020204" pitchFamily="34" charset="-122"/>
+              </a:rPr>
+              <a:t>如何判断一个字符串是否包含重复字符</a:t>
+            </a:r>
+            <a:endParaRPr lang="en-US" altLang="zh-CN" sz="2400" dirty="0" smtClean="0">
+              <a:latin typeface="微软雅黑" panose="020B0503020204020204" pitchFamily="34" charset="-122"/>
+              <a:ea typeface="微软雅黑" panose="020B0503020204020204" pitchFamily="34" charset="-122"/>
+            </a:endParaRPr>
+          </a:p>
+          <a:p>
+            <a:endParaRPr lang="en-US" altLang="zh-CN" sz="2400" dirty="0">
+              <a:latin typeface="微软雅黑" panose="020B0503020204020204" pitchFamily="34" charset="-122"/>
+              <a:ea typeface="微软雅黑" panose="020B0503020204020204" pitchFamily="34" charset="-122"/>
+            </a:endParaRPr>
+          </a:p>
+          <a:p>
+            <a:r>
+              <a:rPr lang="zh-CN" altLang="en-US" sz="2400" dirty="0" smtClean="0">
+                <a:latin typeface="微软雅黑" panose="020B0503020204020204" pitchFamily="34" charset="-122"/>
+                <a:ea typeface="微软雅黑" panose="020B0503020204020204" pitchFamily="34" charset="-122"/>
+              </a:rPr>
+              <a:t>使用哈希表</a:t>
+            </a:r>
+            <a:endParaRPr lang="en-US" altLang="zh-CN" sz="2400" dirty="0" smtClean="0">
+              <a:latin typeface="微软雅黑" panose="020B0503020204020204" pitchFamily="34" charset="-122"/>
+              <a:ea typeface="微软雅黑" panose="020B0503020204020204" pitchFamily="34" charset="-122"/>
+            </a:endParaRPr>
+          </a:p>
+        </p:txBody>
+      </p:sp>
+    </p:spTree>
+    <p:extLst>
+      <p:ext uri="{BB962C8B-B14F-4D97-AF65-F5344CB8AC3E}">
+        <p14:creationId xmlns:p14="http://schemas.microsoft.com/office/powerpoint/2010/main" val="2601261976"/>
+      </p:ext>
+    </p:extLst>
+  </p:cSld>
+  <p:clrMapOvr>
+    <a:masterClrMapping/>
+  </p:clrMapOvr>
+  <p:timing>
+    <p:tnLst>
+      <p:par>
+        <p:cTn id="1" dur="indefinite" restart="never" nodeType="tmRoot"/>
+      </p:par>
+    </p:tnLst>
+  </p:timing>
+</p:sld>
+</file>
+
+<file path=ppt/slides/slide34.xml><?xml version="1.0" encoding="utf-8"?>
+<p:sld xmlns:a="http://schemas.openxmlformats.org/drawingml/2006/main" xmlns:r="http://schemas.openxmlformats.org/officeDocument/2006/relationships" xmlns:p="http://schemas.openxmlformats.org/presentationml/2006/main">
+  <p:cSld>
+    <p:spTree>
+      <p:nvGrpSpPr>
+        <p:cNvPr id="1" name=""/>
+        <p:cNvGrpSpPr/>
+        <p:nvPr/>
+      </p:nvGrpSpPr>
+      <p:grpSpPr>
+        <a:xfrm>
+          <a:off x="0" y="0"/>
+          <a:ext cx="0" cy="0"/>
+          <a:chOff x="0" y="0"/>
+          <a:chExt cx="0" cy="0"/>
+        </a:xfrm>
+      </p:grpSpPr>
+      <p:sp>
+        <p:nvSpPr>
+          <p:cNvPr id="2" name="文本框 1"/>
+          <p:cNvSpPr txBox="1"/>
+          <p:nvPr/>
+        </p:nvSpPr>
+        <p:spPr>
+          <a:xfrm>
+            <a:off x="304800" y="304800"/>
+            <a:ext cx="11112500" cy="1200329"/>
+          </a:xfrm>
+          <a:prstGeom prst="rect">
+            <a:avLst/>
+          </a:prstGeom>
+          <a:noFill/>
+        </p:spPr>
+        <p:txBody>
+          <a:bodyPr wrap="square" rtlCol="0">
+            <a:spAutoFit/>
+          </a:bodyPr>
+          <a:lstStyle/>
+          <a:p>
+            <a:r>
+              <a:rPr lang="en-US" altLang="zh-CN" sz="2400" dirty="0" smtClean="0">
+                <a:latin typeface="微软雅黑" panose="020B0503020204020204" pitchFamily="34" charset="-122"/>
+                <a:ea typeface="微软雅黑" panose="020B0503020204020204" pitchFamily="34" charset="-122"/>
+              </a:rPr>
+              <a:t>13.</a:t>
+            </a:r>
+            <a:r>
+              <a:rPr lang="zh-CN" altLang="en-US" sz="2400" dirty="0" smtClean="0">
+                <a:latin typeface="微软雅黑" panose="020B0503020204020204" pitchFamily="34" charset="-122"/>
+                <a:ea typeface="微软雅黑" panose="020B0503020204020204" pitchFamily="34" charset="-122"/>
+              </a:rPr>
+              <a:t>找到由其他单词组成的最长单词</a:t>
+            </a:r>
+            <a:endParaRPr lang="en-US" altLang="zh-CN" sz="2400" dirty="0" smtClean="0">
+              <a:latin typeface="微软雅黑" panose="020B0503020204020204" pitchFamily="34" charset="-122"/>
+              <a:ea typeface="微软雅黑" panose="020B0503020204020204" pitchFamily="34" charset="-122"/>
+            </a:endParaRPr>
+          </a:p>
+          <a:p>
+            <a:endParaRPr lang="en-US" altLang="zh-CN" sz="2400" dirty="0">
+              <a:latin typeface="微软雅黑" panose="020B0503020204020204" pitchFamily="34" charset="-122"/>
+              <a:ea typeface="微软雅黑" panose="020B0503020204020204" pitchFamily="34" charset="-122"/>
+            </a:endParaRPr>
+          </a:p>
+          <a:p>
+            <a:r>
+              <a:rPr lang="zh-CN" altLang="en-US" sz="2400" dirty="0" smtClean="0">
+                <a:latin typeface="微软雅黑" panose="020B0503020204020204" pitchFamily="34" charset="-122"/>
+                <a:ea typeface="微软雅黑" panose="020B0503020204020204" pitchFamily="34" charset="-122"/>
+              </a:rPr>
+              <a:t>贪心算法，从最长的字符串开始进行判断，然后逐一进行匹配</a:t>
+            </a:r>
+            <a:endParaRPr lang="en-US" altLang="zh-CN" sz="2400" dirty="0" smtClean="0">
+              <a:latin typeface="微软雅黑" panose="020B0503020204020204" pitchFamily="34" charset="-122"/>
+              <a:ea typeface="微软雅黑" panose="020B0503020204020204" pitchFamily="34" charset="-122"/>
+            </a:endParaRPr>
+          </a:p>
+        </p:txBody>
+      </p:sp>
+    </p:spTree>
+    <p:extLst>
+      <p:ext uri="{BB962C8B-B14F-4D97-AF65-F5344CB8AC3E}">
+        <p14:creationId xmlns:p14="http://schemas.microsoft.com/office/powerpoint/2010/main" val="2764486640"/>
+      </p:ext>
+    </p:extLst>
+  </p:cSld>
+  <p:clrMapOvr>
+    <a:masterClrMapping/>
+  </p:clrMapOvr>
+  <p:timing>
+    <p:tnLst>
+      <p:par>
+        <p:cTn id="1" dur="indefinite" restart="never" nodeType="tmRoot"/>
+      </p:par>
+    </p:tnLst>
+  </p:timing>
+</p:sld>
+</file>
+
+<file path=ppt/slides/slide35.xml><?xml version="1.0" encoding="utf-8"?>
+<p:sld xmlns:a="http://schemas.openxmlformats.org/drawingml/2006/main" xmlns:r="http://schemas.openxmlformats.org/officeDocument/2006/relationships" xmlns:p="http://schemas.openxmlformats.org/presentationml/2006/main">
+  <p:cSld>
+    <p:spTree>
+      <p:nvGrpSpPr>
+        <p:cNvPr id="1" name=""/>
+        <p:cNvGrpSpPr/>
+        <p:nvPr/>
+      </p:nvGrpSpPr>
+      <p:grpSpPr>
+        <a:xfrm>
+          <a:off x="0" y="0"/>
+          <a:ext cx="0" cy="0"/>
+          <a:chOff x="0" y="0"/>
+          <a:chExt cx="0" cy="0"/>
+        </a:xfrm>
+      </p:grpSpPr>
+      <p:sp>
+        <p:nvSpPr>
+          <p:cNvPr id="2" name="文本框 1"/>
+          <p:cNvSpPr txBox="1"/>
+          <p:nvPr/>
+        </p:nvSpPr>
+        <p:spPr>
+          <a:xfrm>
+            <a:off x="304800" y="304800"/>
+            <a:ext cx="11112500" cy="1200329"/>
+          </a:xfrm>
+          <a:prstGeom prst="rect">
+            <a:avLst/>
+          </a:prstGeom>
+          <a:noFill/>
+        </p:spPr>
+        <p:txBody>
+          <a:bodyPr wrap="square" rtlCol="0">
+            <a:spAutoFit/>
+          </a:bodyPr>
+          <a:lstStyle/>
+          <a:p>
+            <a:r>
+              <a:rPr lang="en-US" altLang="zh-CN" sz="2400" dirty="0" smtClean="0">
+                <a:latin typeface="微软雅黑" panose="020B0503020204020204" pitchFamily="34" charset="-122"/>
+                <a:ea typeface="微软雅黑" panose="020B0503020204020204" pitchFamily="34" charset="-122"/>
+              </a:rPr>
+              <a:t>14.</a:t>
+            </a:r>
+            <a:r>
+              <a:rPr lang="zh-CN" altLang="en-US" sz="2400" dirty="0" smtClean="0">
+                <a:latin typeface="微软雅黑" panose="020B0503020204020204" pitchFamily="34" charset="-122"/>
+                <a:ea typeface="微软雅黑" panose="020B0503020204020204" pitchFamily="34" charset="-122"/>
+              </a:rPr>
+              <a:t>统计字符串中连续的重复字符个数</a:t>
+            </a:r>
+            <a:endParaRPr lang="en-US" altLang="zh-CN" sz="2400" dirty="0" smtClean="0">
+              <a:latin typeface="微软雅黑" panose="020B0503020204020204" pitchFamily="34" charset="-122"/>
+              <a:ea typeface="微软雅黑" panose="020B0503020204020204" pitchFamily="34" charset="-122"/>
+            </a:endParaRPr>
+          </a:p>
+          <a:p>
+            <a:endParaRPr lang="en-US" altLang="zh-CN" sz="2400" dirty="0">
+              <a:latin typeface="微软雅黑" panose="020B0503020204020204" pitchFamily="34" charset="-122"/>
+              <a:ea typeface="微软雅黑" panose="020B0503020204020204" pitchFamily="34" charset="-122"/>
+            </a:endParaRPr>
+          </a:p>
+          <a:p>
+            <a:r>
+              <a:rPr lang="zh-CN" altLang="en-US" sz="2400" dirty="0" smtClean="0">
+                <a:latin typeface="微软雅黑" panose="020B0503020204020204" pitchFamily="34" charset="-122"/>
+                <a:ea typeface="微软雅黑" panose="020B0503020204020204" pitchFamily="34" charset="-122"/>
+              </a:rPr>
+              <a:t>用递归的算法实现</a:t>
+            </a:r>
+            <a:endParaRPr lang="en-US" altLang="zh-CN" sz="2400" dirty="0" smtClean="0">
+              <a:latin typeface="微软雅黑" panose="020B0503020204020204" pitchFamily="34" charset="-122"/>
+              <a:ea typeface="微软雅黑" panose="020B0503020204020204" pitchFamily="34" charset="-122"/>
+            </a:endParaRPr>
+          </a:p>
+        </p:txBody>
+      </p:sp>
+    </p:spTree>
+    <p:extLst>
+      <p:ext uri="{BB962C8B-B14F-4D97-AF65-F5344CB8AC3E}">
+        <p14:creationId xmlns:p14="http://schemas.microsoft.com/office/powerpoint/2010/main" val="3739780274"/>
+      </p:ext>
+    </p:extLst>
+  </p:cSld>
+  <p:clrMapOvr>
+    <a:masterClrMapping/>
+  </p:clrMapOvr>
+  <p:timing>
+    <p:tnLst>
+      <p:par>
+        <p:cTn id="1" dur="indefinite" restart="never" nodeType="tmRoot"/>
+      </p:par>
+    </p:tnLst>
+  </p:timing>
+</p:sld>
+</file>
+
+<file path=ppt/slides/slide36.xml><?xml version="1.0" encoding="utf-8"?>
+<p:sld xmlns:a="http://schemas.openxmlformats.org/drawingml/2006/main" xmlns:r="http://schemas.openxmlformats.org/officeDocument/2006/relationships" xmlns:p="http://schemas.openxmlformats.org/presentationml/2006/main">
+  <p:cSld>
+    <p:spTree>
+      <p:nvGrpSpPr>
+        <p:cNvPr id="1" name=""/>
+        <p:cNvGrpSpPr/>
+        <p:nvPr/>
+      </p:nvGrpSpPr>
+      <p:grpSpPr>
+        <a:xfrm>
+          <a:off x="0" y="0"/>
+          <a:ext cx="0" cy="0"/>
+          <a:chOff x="0" y="0"/>
+          <a:chExt cx="0" cy="0"/>
+        </a:xfrm>
+      </p:grpSpPr>
+      <p:sp>
+        <p:nvSpPr>
+          <p:cNvPr id="2" name="文本框 1"/>
+          <p:cNvSpPr txBox="1"/>
+          <p:nvPr/>
+        </p:nvSpPr>
+        <p:spPr>
+          <a:xfrm>
+            <a:off x="304800" y="304800"/>
+            <a:ext cx="11112500" cy="1200329"/>
+          </a:xfrm>
+          <a:prstGeom prst="rect">
+            <a:avLst/>
+          </a:prstGeom>
+          <a:noFill/>
+        </p:spPr>
+        <p:txBody>
+          <a:bodyPr wrap="square" rtlCol="0">
+            <a:spAutoFit/>
+          </a:bodyPr>
+          <a:lstStyle/>
+          <a:p>
+            <a:r>
+              <a:rPr lang="en-US" altLang="zh-CN" sz="2400" dirty="0" smtClean="0">
+                <a:latin typeface="微软雅黑" panose="020B0503020204020204" pitchFamily="34" charset="-122"/>
+                <a:ea typeface="微软雅黑" panose="020B0503020204020204" pitchFamily="34" charset="-122"/>
+              </a:rPr>
+              <a:t>15.</a:t>
+            </a:r>
+            <a:r>
+              <a:rPr lang="zh-CN" altLang="en-US" sz="2400" dirty="0" smtClean="0">
+                <a:latin typeface="微软雅黑" panose="020B0503020204020204" pitchFamily="34" charset="-122"/>
+                <a:ea typeface="微软雅黑" panose="020B0503020204020204" pitchFamily="34" charset="-122"/>
+              </a:rPr>
+              <a:t>求最长递增子序列的长度</a:t>
+            </a:r>
+            <a:endParaRPr lang="en-US" altLang="zh-CN" sz="2400" dirty="0" smtClean="0">
+              <a:latin typeface="微软雅黑" panose="020B0503020204020204" pitchFamily="34" charset="-122"/>
+              <a:ea typeface="微软雅黑" panose="020B0503020204020204" pitchFamily="34" charset="-122"/>
+            </a:endParaRPr>
+          </a:p>
+          <a:p>
+            <a:endParaRPr lang="en-US" altLang="zh-CN" sz="2400" dirty="0">
+              <a:latin typeface="微软雅黑" panose="020B0503020204020204" pitchFamily="34" charset="-122"/>
+              <a:ea typeface="微软雅黑" panose="020B0503020204020204" pitchFamily="34" charset="-122"/>
+            </a:endParaRPr>
+          </a:p>
+          <a:p>
+            <a:r>
+              <a:rPr lang="zh-CN" altLang="en-US" sz="2400" dirty="0" smtClean="0">
+                <a:latin typeface="微软雅黑" panose="020B0503020204020204" pitchFamily="34" charset="-122"/>
+                <a:ea typeface="微软雅黑" panose="020B0503020204020204" pitchFamily="34" charset="-122"/>
+              </a:rPr>
+              <a:t>动态规划求解</a:t>
+            </a:r>
+            <a:endParaRPr lang="en-US" altLang="zh-CN" sz="2400" dirty="0" smtClean="0">
+              <a:latin typeface="微软雅黑" panose="020B0503020204020204" pitchFamily="34" charset="-122"/>
+              <a:ea typeface="微软雅黑" panose="020B0503020204020204" pitchFamily="34" charset="-122"/>
+            </a:endParaRPr>
+          </a:p>
+        </p:txBody>
+      </p:sp>
+    </p:spTree>
+    <p:extLst>
+      <p:ext uri="{BB962C8B-B14F-4D97-AF65-F5344CB8AC3E}">
+        <p14:creationId xmlns:p14="http://schemas.microsoft.com/office/powerpoint/2010/main" val="3900356580"/>
+      </p:ext>
+    </p:extLst>
+  </p:cSld>
+  <p:clrMapOvr>
+    <a:masterClrMapping/>
+  </p:clrMapOvr>
+  <p:timing>
+    <p:tnLst>
+      <p:par>
+        <p:cTn id="1" dur="indefinite" restart="never" nodeType="tmRoot"/>
+      </p:par>
+    </p:tnLst>
+  </p:timing>
+</p:sld>
+</file>
+
+<file path=ppt/slides/slide37.xml><?xml version="1.0" encoding="utf-8"?>
+<p:sld xmlns:a="http://schemas.openxmlformats.org/drawingml/2006/main" xmlns:r="http://schemas.openxmlformats.org/officeDocument/2006/relationships" xmlns:p="http://schemas.openxmlformats.org/presentationml/2006/main">
+  <p:cSld>
+    <p:spTree>
+      <p:nvGrpSpPr>
+        <p:cNvPr id="1" name=""/>
+        <p:cNvGrpSpPr/>
+        <p:nvPr/>
+      </p:nvGrpSpPr>
+      <p:grpSpPr>
+        <a:xfrm>
+          <a:off x="0" y="0"/>
+          <a:ext cx="0" cy="0"/>
+          <a:chOff x="0" y="0"/>
+          <a:chExt cx="0" cy="0"/>
+        </a:xfrm>
+      </p:grpSpPr>
+      <p:sp>
+        <p:nvSpPr>
+          <p:cNvPr id="2" name="文本框 1"/>
+          <p:cNvSpPr txBox="1"/>
+          <p:nvPr/>
+        </p:nvSpPr>
+        <p:spPr>
+          <a:xfrm>
+            <a:off x="304800" y="304800"/>
+            <a:ext cx="11112500" cy="461665"/>
+          </a:xfrm>
+          <a:prstGeom prst="rect">
+            <a:avLst/>
+          </a:prstGeom>
+          <a:noFill/>
+        </p:spPr>
+        <p:txBody>
+          <a:bodyPr wrap="square" rtlCol="0">
+            <a:spAutoFit/>
+          </a:bodyPr>
+          <a:lstStyle/>
+          <a:p>
+            <a:r>
+              <a:rPr lang="en-US" altLang="zh-CN" sz="2400" dirty="0" smtClean="0">
+                <a:latin typeface="微软雅黑" panose="020B0503020204020204" pitchFamily="34" charset="-122"/>
+                <a:ea typeface="微软雅黑" panose="020B0503020204020204" pitchFamily="34" charset="-122"/>
+              </a:rPr>
+              <a:t>16.</a:t>
+            </a:r>
+            <a:endParaRPr lang="en-US" altLang="zh-CN" sz="2400" dirty="0" smtClean="0">
+              <a:latin typeface="微软雅黑" panose="020B0503020204020204" pitchFamily="34" charset="-122"/>
+              <a:ea typeface="微软雅黑" panose="020B0503020204020204" pitchFamily="34" charset="-122"/>
+            </a:endParaRPr>
+          </a:p>
+        </p:txBody>
+      </p:sp>
+    </p:spTree>
+    <p:extLst>
+      <p:ext uri="{BB962C8B-B14F-4D97-AF65-F5344CB8AC3E}">
+        <p14:creationId xmlns:p14="http://schemas.microsoft.com/office/powerpoint/2010/main" val="3929135809"/>
       </p:ext>
     </p:extLst>
   </p:cSld>
@@ -5569,10 +7306,6 @@
               </a:rPr>
               <a:t>)</a:t>
             </a:r>
-            <a:endParaRPr lang="en-US" altLang="zh-CN" sz="2400" dirty="0" smtClean="0">
-              <a:latin typeface="微软雅黑" panose="020B0503020204020204" pitchFamily="34" charset="-122"/>
-              <a:ea typeface="微软雅黑" panose="020B0503020204020204" pitchFamily="34" charset="-122"/>
-            </a:endParaRPr>
           </a:p>
         </p:txBody>
       </p:sp>
